--- a/_Other Assets/Pad Diagrams.pptx
+++ b/_Other Assets/Pad Diagrams.pptx
@@ -261,7 +261,7 @@
           <a:p>
             <a:fld id="{06FEBC89-8490-45E9-9537-C65276EE1D22}" type="datetimeFigureOut">
               <a:rPr lang="en-AU" smtClean="0"/>
-              <a:t>6/07/2020</a:t>
+              <a:t>5/08/2020</a:t>
             </a:fld>
             <a:endParaRPr lang="en-AU"/>
           </a:p>
@@ -431,7 +431,7 @@
           <a:p>
             <a:fld id="{06FEBC89-8490-45E9-9537-C65276EE1D22}" type="datetimeFigureOut">
               <a:rPr lang="en-AU" smtClean="0"/>
-              <a:t>6/07/2020</a:t>
+              <a:t>5/08/2020</a:t>
             </a:fld>
             <a:endParaRPr lang="en-AU"/>
           </a:p>
@@ -611,7 +611,7 @@
           <a:p>
             <a:fld id="{06FEBC89-8490-45E9-9537-C65276EE1D22}" type="datetimeFigureOut">
               <a:rPr lang="en-AU" smtClean="0"/>
-              <a:t>6/07/2020</a:t>
+              <a:t>5/08/2020</a:t>
             </a:fld>
             <a:endParaRPr lang="en-AU"/>
           </a:p>
@@ -781,7 +781,7 @@
           <a:p>
             <a:fld id="{06FEBC89-8490-45E9-9537-C65276EE1D22}" type="datetimeFigureOut">
               <a:rPr lang="en-AU" smtClean="0"/>
-              <a:t>6/07/2020</a:t>
+              <a:t>5/08/2020</a:t>
             </a:fld>
             <a:endParaRPr lang="en-AU"/>
           </a:p>
@@ -1027,7 +1027,7 @@
           <a:p>
             <a:fld id="{06FEBC89-8490-45E9-9537-C65276EE1D22}" type="datetimeFigureOut">
               <a:rPr lang="en-AU" smtClean="0"/>
-              <a:t>6/07/2020</a:t>
+              <a:t>5/08/2020</a:t>
             </a:fld>
             <a:endParaRPr lang="en-AU"/>
           </a:p>
@@ -1259,7 +1259,7 @@
           <a:p>
             <a:fld id="{06FEBC89-8490-45E9-9537-C65276EE1D22}" type="datetimeFigureOut">
               <a:rPr lang="en-AU" smtClean="0"/>
-              <a:t>6/07/2020</a:t>
+              <a:t>5/08/2020</a:t>
             </a:fld>
             <a:endParaRPr lang="en-AU"/>
           </a:p>
@@ -1626,7 +1626,7 @@
           <a:p>
             <a:fld id="{06FEBC89-8490-45E9-9537-C65276EE1D22}" type="datetimeFigureOut">
               <a:rPr lang="en-AU" smtClean="0"/>
-              <a:t>6/07/2020</a:t>
+              <a:t>5/08/2020</a:t>
             </a:fld>
             <a:endParaRPr lang="en-AU"/>
           </a:p>
@@ -1744,7 +1744,7 @@
           <a:p>
             <a:fld id="{06FEBC89-8490-45E9-9537-C65276EE1D22}" type="datetimeFigureOut">
               <a:rPr lang="en-AU" smtClean="0"/>
-              <a:t>6/07/2020</a:t>
+              <a:t>5/08/2020</a:t>
             </a:fld>
             <a:endParaRPr lang="en-AU"/>
           </a:p>
@@ -1839,7 +1839,7 @@
           <a:p>
             <a:fld id="{06FEBC89-8490-45E9-9537-C65276EE1D22}" type="datetimeFigureOut">
               <a:rPr lang="en-AU" smtClean="0"/>
-              <a:t>6/07/2020</a:t>
+              <a:t>5/08/2020</a:t>
             </a:fld>
             <a:endParaRPr lang="en-AU"/>
           </a:p>
@@ -2116,7 +2116,7 @@
           <a:p>
             <a:fld id="{06FEBC89-8490-45E9-9537-C65276EE1D22}" type="datetimeFigureOut">
               <a:rPr lang="en-AU" smtClean="0"/>
-              <a:t>6/07/2020</a:t>
+              <a:t>5/08/2020</a:t>
             </a:fld>
             <a:endParaRPr lang="en-AU"/>
           </a:p>
@@ -2373,7 +2373,7 @@
           <a:p>
             <a:fld id="{06FEBC89-8490-45E9-9537-C65276EE1D22}" type="datetimeFigureOut">
               <a:rPr lang="en-AU" smtClean="0"/>
-              <a:t>6/07/2020</a:t>
+              <a:t>5/08/2020</a:t>
             </a:fld>
             <a:endParaRPr lang="en-AU"/>
           </a:p>
@@ -2586,7 +2586,7 @@
           <a:p>
             <a:fld id="{06FEBC89-8490-45E9-9537-C65276EE1D22}" type="datetimeFigureOut">
               <a:rPr lang="en-AU" smtClean="0"/>
-              <a:t>6/07/2020</a:t>
+              <a:t>5/08/2020</a:t>
             </a:fld>
             <a:endParaRPr lang="en-AU"/>
           </a:p>
@@ -4192,35 +4192,40 @@
           <a:prstGeom prst="roundRect">
             <a:avLst/>
           </a:prstGeom>
-          <a:noFill/>
-          <a:ln w="57150">
-            <a:solidFill>
-              <a:schemeClr val="tx1"/>
-            </a:solidFill>
-          </a:ln>
-        </p:spPr>
-        <p:style>
-          <a:lnRef idx="2">
-            <a:schemeClr val="accent1">
-              <a:shade val="50000"/>
-            </a:schemeClr>
-          </a:lnRef>
-          <a:fillRef idx="1">
-            <a:schemeClr val="accent1"/>
-          </a:fillRef>
-          <a:effectRef idx="0">
-            <a:schemeClr val="accent1"/>
-          </a:effectRef>
-          <a:fontRef idx="minor">
-            <a:schemeClr val="lt1"/>
-          </a:fontRef>
-        </p:style>
-        <p:txBody>
-          <a:bodyPr rtlCol="0" anchor="ctr"/>
-          <a:lstStyle/>
-          <a:p>
-            <a:pPr algn="ctr"/>
-            <a:endParaRPr lang="en-AU" sz="1418"/>
+          <a:solidFill>
+            <a:srgbClr val="0000FF"/>
+          </a:solidFill>
+          <a:ln w="57150">
+            <a:solidFill>
+              <a:schemeClr val="tx1"/>
+            </a:solidFill>
+          </a:ln>
+        </p:spPr>
+        <p:style>
+          <a:lnRef idx="2">
+            <a:schemeClr val="accent1">
+              <a:shade val="50000"/>
+            </a:schemeClr>
+          </a:lnRef>
+          <a:fillRef idx="1">
+            <a:schemeClr val="accent1"/>
+          </a:fillRef>
+          <a:effectRef idx="0">
+            <a:schemeClr val="accent1"/>
+          </a:effectRef>
+          <a:fontRef idx="minor">
+            <a:schemeClr val="lt1"/>
+          </a:fontRef>
+        </p:style>
+        <p:txBody>
+          <a:bodyPr rtlCol="0" anchor="ctr"/>
+          <a:lstStyle/>
+          <a:p>
+            <a:pPr algn="ctr"/>
+            <a:r>
+              <a:rPr lang="en-AU" sz="1418" dirty="0"/>
+              <a:t>Plugin Picker</a:t>
+            </a:r>
           </a:p>
         </p:txBody>
       </p:sp>
@@ -4574,35 +4579,44 @@
           <a:prstGeom prst="roundRect">
             <a:avLst/>
           </a:prstGeom>
-          <a:noFill/>
-          <a:ln w="57150">
-            <a:solidFill>
-              <a:schemeClr val="tx1"/>
-            </a:solidFill>
-          </a:ln>
-        </p:spPr>
-        <p:style>
-          <a:lnRef idx="2">
-            <a:schemeClr val="accent1">
-              <a:shade val="50000"/>
-            </a:schemeClr>
-          </a:lnRef>
-          <a:fillRef idx="1">
-            <a:schemeClr val="accent1"/>
-          </a:fillRef>
-          <a:effectRef idx="0">
-            <a:schemeClr val="accent1"/>
-          </a:effectRef>
-          <a:fontRef idx="minor">
-            <a:schemeClr val="lt1"/>
-          </a:fontRef>
-        </p:style>
-        <p:txBody>
-          <a:bodyPr rtlCol="0" anchor="ctr"/>
-          <a:lstStyle/>
-          <a:p>
-            <a:pPr algn="ctr"/>
-            <a:endParaRPr lang="en-AU" sz="1418"/>
+          <a:solidFill>
+            <a:srgbClr val="00FF00"/>
+          </a:solidFill>
+          <a:ln w="57150">
+            <a:solidFill>
+              <a:schemeClr val="tx1"/>
+            </a:solidFill>
+          </a:ln>
+        </p:spPr>
+        <p:style>
+          <a:lnRef idx="2">
+            <a:schemeClr val="accent1">
+              <a:shade val="50000"/>
+            </a:schemeClr>
+          </a:lnRef>
+          <a:fillRef idx="1">
+            <a:schemeClr val="accent1"/>
+          </a:fillRef>
+          <a:effectRef idx="0">
+            <a:schemeClr val="accent1"/>
+          </a:effectRef>
+          <a:fontRef idx="minor">
+            <a:schemeClr val="lt1"/>
+          </a:fontRef>
+        </p:style>
+        <p:txBody>
+          <a:bodyPr rtlCol="0" anchor="ctr"/>
+          <a:lstStyle/>
+          <a:p>
+            <a:pPr algn="ctr"/>
+            <a:r>
+              <a:rPr lang="en-AU" sz="1418" dirty="0">
+                <a:solidFill>
+                  <a:schemeClr val="tx1"/>
+                </a:solidFill>
+              </a:rPr>
+              <a:t>Save</a:t>
+            </a:r>
           </a:p>
         </p:txBody>
       </p:sp>
@@ -9649,35 +9663,40 @@
           <a:prstGeom prst="roundRect">
             <a:avLst/>
           </a:prstGeom>
-          <a:noFill/>
-          <a:ln w="57150">
-            <a:solidFill>
-              <a:schemeClr val="tx1"/>
-            </a:solidFill>
-          </a:ln>
-        </p:spPr>
-        <p:style>
-          <a:lnRef idx="2">
-            <a:schemeClr val="accent1">
-              <a:shade val="50000"/>
-            </a:schemeClr>
-          </a:lnRef>
-          <a:fillRef idx="1">
-            <a:schemeClr val="accent1"/>
-          </a:fillRef>
-          <a:effectRef idx="0">
-            <a:schemeClr val="accent1"/>
-          </a:effectRef>
-          <a:fontRef idx="minor">
-            <a:schemeClr val="lt1"/>
-          </a:fontRef>
-        </p:style>
-        <p:txBody>
-          <a:bodyPr rtlCol="0" anchor="ctr"/>
-          <a:lstStyle/>
-          <a:p>
-            <a:pPr algn="ctr"/>
-            <a:endParaRPr lang="en-AU" sz="1418"/>
+          <a:solidFill>
+            <a:srgbClr val="9966FF"/>
+          </a:solidFill>
+          <a:ln w="57150">
+            <a:solidFill>
+              <a:schemeClr val="tx1"/>
+            </a:solidFill>
+          </a:ln>
+        </p:spPr>
+        <p:style>
+          <a:lnRef idx="2">
+            <a:schemeClr val="accent1">
+              <a:shade val="50000"/>
+            </a:schemeClr>
+          </a:lnRef>
+          <a:fillRef idx="1">
+            <a:schemeClr val="accent1"/>
+          </a:fillRef>
+          <a:effectRef idx="0">
+            <a:schemeClr val="accent1"/>
+          </a:effectRef>
+          <a:fontRef idx="minor">
+            <a:schemeClr val="lt1"/>
+          </a:fontRef>
+        </p:style>
+        <p:txBody>
+          <a:bodyPr rtlCol="0" anchor="ctr"/>
+          <a:lstStyle/>
+          <a:p>
+            <a:pPr algn="ctr"/>
+            <a:r>
+              <a:rPr lang="en-AU" sz="1418" dirty="0"/>
+              <a:t>Open Plugin Editor</a:t>
+            </a:r>
           </a:p>
         </p:txBody>
       </p:sp>
